--- a/Documentation/Flux of Souls final.pptx
+++ b/Documentation/Flux of Souls final.pptx
@@ -9,15 +9,16 @@
     <p:sldId id="270" r:id="rId3"/>
     <p:sldId id="260" r:id="rId4"/>
     <p:sldId id="261" r:id="rId5"/>
-    <p:sldId id="259" r:id="rId6"/>
-    <p:sldId id="258" r:id="rId7"/>
+    <p:sldId id="258" r:id="rId6"/>
+    <p:sldId id="259" r:id="rId7"/>
     <p:sldId id="262" r:id="rId8"/>
     <p:sldId id="267" r:id="rId9"/>
     <p:sldId id="268" r:id="rId10"/>
-    <p:sldId id="271" r:id="rId11"/>
+    <p:sldId id="274" r:id="rId11"/>
     <p:sldId id="272" r:id="rId12"/>
-    <p:sldId id="263" r:id="rId13"/>
-    <p:sldId id="273" r:id="rId14"/>
+    <p:sldId id="271" r:id="rId13"/>
+    <p:sldId id="263" r:id="rId14"/>
+    <p:sldId id="273" r:id="rId15"/>
   </p:sldIdLst>
   <p:sldSz cx="9144000" cy="6858000" type="screen4x3"/>
   <p:notesSz cx="6858000" cy="9144000"/>
@@ -194,7 +195,7 @@
           <a:p>
             <a:fld id="{C25DA2AE-1E87-4442-ADDA-D51CD84839EE}" type="datetimeFigureOut">
               <a:rPr lang="en-CA" smtClean="0"/>
-              <a:t>2013-12-10</a:t>
+              <a:t>2013-12-11</a:t>
             </a:fld>
             <a:endParaRPr lang="en-CA"/>
           </a:p>
@@ -510,7 +511,7 @@
           <a:p>
             <a:fld id="{C25DA2AE-1E87-4442-ADDA-D51CD84839EE}" type="datetimeFigureOut">
               <a:rPr lang="en-CA" smtClean="0"/>
-              <a:t>2013-12-10</a:t>
+              <a:t>2013-12-11</a:t>
             </a:fld>
             <a:endParaRPr lang="en-CA"/>
           </a:p>
@@ -685,7 +686,7 @@
           <a:p>
             <a:fld id="{C25DA2AE-1E87-4442-ADDA-D51CD84839EE}" type="datetimeFigureOut">
               <a:rPr lang="en-CA" smtClean="0"/>
-              <a:t>2013-12-10</a:t>
+              <a:t>2013-12-11</a:t>
             </a:fld>
             <a:endParaRPr lang="en-CA"/>
           </a:p>
@@ -803,7 +804,7 @@
           <a:p>
             <a:fld id="{C25DA2AE-1E87-4442-ADDA-D51CD84839EE}" type="datetimeFigureOut">
               <a:rPr lang="en-CA" smtClean="0"/>
-              <a:t>2013-12-10</a:t>
+              <a:t>2013-12-11</a:t>
             </a:fld>
             <a:endParaRPr lang="en-CA"/>
           </a:p>
@@ -1101,7 +1102,7 @@
           <a:p>
             <a:fld id="{C25DA2AE-1E87-4442-ADDA-D51CD84839EE}" type="datetimeFigureOut">
               <a:rPr lang="en-CA" smtClean="0"/>
-              <a:t>2013-12-10</a:t>
+              <a:t>2013-12-11</a:t>
             </a:fld>
             <a:endParaRPr lang="en-CA"/>
           </a:p>
@@ -1394,7 +1395,7 @@
           <a:p>
             <a:fld id="{C25DA2AE-1E87-4442-ADDA-D51CD84839EE}" type="datetimeFigureOut">
               <a:rPr lang="en-CA" smtClean="0"/>
-              <a:t>2013-12-10</a:t>
+              <a:t>2013-12-11</a:t>
             </a:fld>
             <a:endParaRPr lang="en-CA"/>
           </a:p>
@@ -1822,7 +1823,7 @@
           <a:p>
             <a:fld id="{C25DA2AE-1E87-4442-ADDA-D51CD84839EE}" type="datetimeFigureOut">
               <a:rPr lang="en-CA" smtClean="0"/>
-              <a:t>2013-12-10</a:t>
+              <a:t>2013-12-11</a:t>
             </a:fld>
             <a:endParaRPr lang="en-CA"/>
           </a:p>
@@ -1940,7 +1941,7 @@
           <a:p>
             <a:fld id="{C25DA2AE-1E87-4442-ADDA-D51CD84839EE}" type="datetimeFigureOut">
               <a:rPr lang="en-CA" smtClean="0"/>
-              <a:t>2013-12-10</a:t>
+              <a:t>2013-12-11</a:t>
             </a:fld>
             <a:endParaRPr lang="en-CA"/>
           </a:p>
@@ -2030,7 +2031,7 @@
           <a:p>
             <a:fld id="{C25DA2AE-1E87-4442-ADDA-D51CD84839EE}" type="datetimeFigureOut">
               <a:rPr lang="en-CA" smtClean="0"/>
-              <a:t>2013-12-10</a:t>
+              <a:t>2013-12-11</a:t>
             </a:fld>
             <a:endParaRPr lang="en-CA"/>
           </a:p>
@@ -2280,7 +2281,7 @@
           <a:p>
             <a:fld id="{C25DA2AE-1E87-4442-ADDA-D51CD84839EE}" type="datetimeFigureOut">
               <a:rPr lang="en-CA" smtClean="0"/>
-              <a:t>2013-12-10</a:t>
+              <a:t>2013-12-11</a:t>
             </a:fld>
             <a:endParaRPr lang="en-CA"/>
           </a:p>
@@ -2796,7 +2797,7 @@
           <a:p>
             <a:fld id="{C25DA2AE-1E87-4442-ADDA-D51CD84839EE}" type="datetimeFigureOut">
               <a:rPr lang="en-CA" smtClean="0"/>
-              <a:t>2013-12-10</a:t>
+              <a:t>2013-12-11</a:t>
             </a:fld>
             <a:endParaRPr lang="en-CA"/>
           </a:p>
@@ -3026,7 +3027,7 @@
           <a:p>
             <a:fld id="{C25DA2AE-1E87-4442-ADDA-D51CD84839EE}" type="datetimeFigureOut">
               <a:rPr lang="en-CA" smtClean="0"/>
-              <a:t>2013-12-10</a:t>
+              <a:t>2013-12-11</a:t>
             </a:fld>
             <a:endParaRPr lang="en-CA"/>
           </a:p>
@@ -3612,70 +3613,83 @@
           <a:p>
             <a:pPr algn="ctr"/>
             <a:r>
-              <a:rPr lang="en-CA" u="sng" dirty="0"/>
-              <a:t>Presentation of </a:t>
-            </a:r>
-            <a:r>
               <a:rPr lang="en-CA" u="sng" dirty="0" smtClean="0"/>
-              <a:t>Solution</a:t>
+              <a:t>User story Class Diagrams</a:t>
             </a:r>
             <a:endParaRPr lang="en-CA" u="sng" dirty="0"/>
           </a:p>
         </p:txBody>
       </p:sp>
-      <p:sp>
-        <p:nvSpPr>
-          <p:cNvPr id="3" name="Content Placeholder 2"/>
-          <p:cNvSpPr>
-            <a:spLocks noGrp="1"/>
-          </p:cNvSpPr>
-          <p:nvPr>
-            <p:ph sz="quarter" idx="13"/>
-          </p:nvPr>
-        </p:nvSpPr>
-        <p:spPr/>
-        <p:txBody>
-          <a:bodyPr/>
-          <a:lstStyle/>
-          <a:p>
-            <a:pPr algn="ctr"/>
-            <a:endParaRPr lang="en-CA" dirty="0" smtClean="0"/>
-          </a:p>
-          <a:p>
-            <a:pPr algn="ctr"/>
-            <a:endParaRPr lang="en-CA" dirty="0"/>
-          </a:p>
-          <a:p>
-            <a:pPr algn="ctr"/>
-            <a:endParaRPr lang="en-CA" dirty="0" smtClean="0"/>
-          </a:p>
-          <a:p>
-            <a:pPr algn="ctr"/>
-            <a:r>
-              <a:rPr lang="en-CA" dirty="0" smtClean="0"/>
-              <a:t>We will now move on to the XNA Solution portion of the Presentation</a:t>
-            </a:r>
-            <a:endParaRPr lang="en-CA" dirty="0"/>
-          </a:p>
-        </p:txBody>
-      </p:sp>
+      <p:pic>
+        <p:nvPicPr>
+          <p:cNvPr id="4" name="Picture 3"/>
+          <p:cNvPicPr>
+            <a:picLocks noChangeAspect="1"/>
+          </p:cNvPicPr>
+          <p:nvPr/>
+        </p:nvPicPr>
+        <p:blipFill>
+          <a:blip r:embed="rId2">
+            <a:extLst>
+              <a:ext uri="{28A0092B-C50C-407E-A947-70E740481C1C}">
+                <a14:useLocalDpi xmlns:a14="http://schemas.microsoft.com/office/drawing/2010/main" val="0"/>
+              </a:ext>
+            </a:extLst>
+          </a:blip>
+          <a:stretch>
+            <a:fillRect/>
+          </a:stretch>
+        </p:blipFill>
+        <p:spPr>
+          <a:xfrm>
+            <a:off x="1475656" y="1844824"/>
+            <a:ext cx="2648320" cy="3620005"/>
+          </a:xfrm>
+          <a:prstGeom prst="rect">
+            <a:avLst/>
+          </a:prstGeom>
+        </p:spPr>
+      </p:pic>
+      <p:pic>
+        <p:nvPicPr>
+          <p:cNvPr id="5" name="Picture 4"/>
+          <p:cNvPicPr>
+            <a:picLocks noChangeAspect="1"/>
+          </p:cNvPicPr>
+          <p:nvPr/>
+        </p:nvPicPr>
+        <p:blipFill>
+          <a:blip r:embed="rId3">
+            <a:extLst>
+              <a:ext uri="{28A0092B-C50C-407E-A947-70E740481C1C}">
+                <a14:useLocalDpi xmlns:a14="http://schemas.microsoft.com/office/drawing/2010/main" val="0"/>
+              </a:ext>
+            </a:extLst>
+          </a:blip>
+          <a:stretch>
+            <a:fillRect/>
+          </a:stretch>
+        </p:blipFill>
+        <p:spPr>
+          <a:xfrm>
+            <a:off x="5148064" y="2204864"/>
+            <a:ext cx="2829320" cy="2715004"/>
+          </a:xfrm>
+          <a:prstGeom prst="rect">
+            <a:avLst/>
+          </a:prstGeom>
+        </p:spPr>
+      </p:pic>
     </p:spTree>
     <p:extLst>
       <p:ext uri="{BB962C8B-B14F-4D97-AF65-F5344CB8AC3E}">
-        <p14:creationId xmlns:p14="http://schemas.microsoft.com/office/powerpoint/2010/main" val="1573843664"/>
+        <p14:creationId xmlns:p14="http://schemas.microsoft.com/office/powerpoint/2010/main" val="4234574875"/>
       </p:ext>
     </p:extLst>
   </p:cSld>
   <p:clrMapOvr>
     <a:masterClrMapping/>
   </p:clrMapOvr>
-  <p:timing>
-    <p:tnLst>
-      <p:par>
-        <p:cTn id="1" dur="indefinite" restart="never" nodeType="tmRoot"/>
-      </p:par>
-    </p:tnLst>
-  </p:timing>
 </p:sld>
 </file>
 
@@ -3802,6 +3816,107 @@
           <a:p>
             <a:pPr algn="ctr"/>
             <a:r>
+              <a:rPr lang="en-CA" u="sng" dirty="0"/>
+              <a:t>Presentation of </a:t>
+            </a:r>
+            <a:r>
+              <a:rPr lang="en-CA" u="sng" dirty="0" smtClean="0"/>
+              <a:t>Solution</a:t>
+            </a:r>
+            <a:endParaRPr lang="en-CA" u="sng" dirty="0"/>
+          </a:p>
+        </p:txBody>
+      </p:sp>
+      <p:sp>
+        <p:nvSpPr>
+          <p:cNvPr id="3" name="Content Placeholder 2"/>
+          <p:cNvSpPr>
+            <a:spLocks noGrp="1"/>
+          </p:cNvSpPr>
+          <p:nvPr>
+            <p:ph sz="quarter" idx="13"/>
+          </p:nvPr>
+        </p:nvSpPr>
+        <p:spPr/>
+        <p:txBody>
+          <a:bodyPr/>
+          <a:lstStyle/>
+          <a:p>
+            <a:pPr algn="ctr"/>
+            <a:endParaRPr lang="en-CA" dirty="0" smtClean="0"/>
+          </a:p>
+          <a:p>
+            <a:pPr algn="ctr"/>
+            <a:endParaRPr lang="en-CA" dirty="0"/>
+          </a:p>
+          <a:p>
+            <a:pPr algn="ctr"/>
+            <a:endParaRPr lang="en-CA" dirty="0" smtClean="0"/>
+          </a:p>
+          <a:p>
+            <a:pPr algn="ctr"/>
+            <a:r>
+              <a:rPr lang="en-CA" dirty="0" smtClean="0"/>
+              <a:t>We will now move on to the XNA Solution portion of the Presentation</a:t>
+            </a:r>
+            <a:endParaRPr lang="en-CA" dirty="0"/>
+          </a:p>
+        </p:txBody>
+      </p:sp>
+    </p:spTree>
+    <p:extLst>
+      <p:ext uri="{BB962C8B-B14F-4D97-AF65-F5344CB8AC3E}">
+        <p14:creationId xmlns:p14="http://schemas.microsoft.com/office/powerpoint/2010/main" val="1573843664"/>
+      </p:ext>
+    </p:extLst>
+  </p:cSld>
+  <p:clrMapOvr>
+    <a:masterClrMapping/>
+  </p:clrMapOvr>
+  <p:timing>
+    <p:tnLst>
+      <p:par>
+        <p:cTn id="1" dur="indefinite" restart="never" nodeType="tmRoot"/>
+      </p:par>
+    </p:tnLst>
+  </p:timing>
+</p:sld>
+</file>
+
+<file path=ppt/slides/slide13.xml><?xml version="1.0" encoding="utf-8"?>
+<p:sld xmlns:a="http://schemas.openxmlformats.org/drawingml/2006/main" xmlns:r="http://schemas.openxmlformats.org/officeDocument/2006/relationships" xmlns:p="http://schemas.openxmlformats.org/presentationml/2006/main">
+  <p:cSld>
+    <p:spTree>
+      <p:nvGrpSpPr>
+        <p:cNvPr id="1" name=""/>
+        <p:cNvGrpSpPr/>
+        <p:nvPr/>
+      </p:nvGrpSpPr>
+      <p:grpSpPr>
+        <a:xfrm>
+          <a:off x="0" y="0"/>
+          <a:ext cx="0" cy="0"/>
+          <a:chOff x="0" y="0"/>
+          <a:chExt cx="0" cy="0"/>
+        </a:xfrm>
+      </p:grpSpPr>
+      <p:sp>
+        <p:nvSpPr>
+          <p:cNvPr id="2" name="Title 1"/>
+          <p:cNvSpPr>
+            <a:spLocks noGrp="1"/>
+          </p:cNvSpPr>
+          <p:nvPr>
+            <p:ph type="title"/>
+          </p:nvPr>
+        </p:nvSpPr>
+        <p:spPr/>
+        <p:txBody>
+          <a:bodyPr/>
+          <a:lstStyle/>
+          <a:p>
+            <a:pPr algn="ctr"/>
+            <a:r>
               <a:rPr lang="en-CA" u="sng" dirty="0" smtClean="0"/>
               <a:t>Question / Answer</a:t>
             </a:r>
@@ -3852,7 +3967,7 @@
 </p:sld>
 </file>
 
-<file path=ppt/slides/slide13.xml><?xml version="1.0" encoding="utf-8"?>
+<file path=ppt/slides/slide14.xml><?xml version="1.0" encoding="utf-8"?>
 <p:sld xmlns:a="http://schemas.openxmlformats.org/drawingml/2006/main" xmlns:r="http://schemas.openxmlformats.org/officeDocument/2006/relationships" xmlns:p="http://schemas.openxmlformats.org/presentationml/2006/main">
   <p:cSld>
     <p:spTree>
@@ -4136,21 +4251,27 @@
           <a:p>
             <a:r>
               <a:rPr lang="en-CA" dirty="0" smtClean="0"/>
-              <a:t>Pivotal </a:t>
-            </a:r>
+              <a:t>Pivotal Tracker Breakdown</a:t>
+            </a:r>
+          </a:p>
+          <a:p>
             <a:r>
               <a:rPr lang="en-CA" dirty="0" smtClean="0"/>
-              <a:t>Tracker </a:t>
+              <a:t>UML </a:t>
             </a:r>
             <a:r>
               <a:rPr lang="en-CA" dirty="0" smtClean="0"/>
-              <a:t>Breakdown</a:t>
-            </a:r>
-          </a:p>
-          <a:p>
+              <a:t>Diagrams</a:t>
+            </a:r>
+          </a:p>
+          <a:p>
+            <a:r>
+              <a:rPr lang="en-CA" dirty="0"/>
+              <a:t>Game </a:t>
+            </a:r>
             <a:r>
               <a:rPr lang="en-CA" dirty="0" smtClean="0"/>
-              <a:t>UML Diagrams</a:t>
+              <a:t>Demonstration</a:t>
             </a:r>
             <a:endParaRPr lang="en-CA" dirty="0" smtClean="0"/>
           </a:p>
@@ -4159,20 +4280,13 @@
               <a:rPr lang="en-CA" dirty="0" smtClean="0"/>
               <a:t>Presentation of Solution</a:t>
             </a:r>
-            <a:endParaRPr lang="en-CA" dirty="0" smtClean="0"/>
-          </a:p>
-          <a:p>
-            <a:r>
-              <a:rPr lang="en-CA" dirty="0" smtClean="0"/>
-              <a:t>Game Demonstration</a:t>
-            </a:r>
-            <a:endParaRPr lang="en-CA" dirty="0"/>
           </a:p>
           <a:p>
             <a:r>
               <a:rPr lang="en-CA" dirty="0" smtClean="0"/>
               <a:t>Q/A</a:t>
             </a:r>
+            <a:endParaRPr lang="en-CA" dirty="0" smtClean="0"/>
           </a:p>
           <a:p>
             <a:endParaRPr lang="en-CA" dirty="0"/>
@@ -4357,12 +4471,8 @@
           <a:p>
             <a:pPr algn="ctr"/>
             <a:r>
-              <a:rPr lang="en-CA" u="sng" dirty="0"/>
-              <a:t>Changes and Project </a:t>
-            </a:r>
-            <a:r>
               <a:rPr lang="en-CA" u="sng" dirty="0" smtClean="0"/>
-              <a:t>Issues</a:t>
+              <a:t>Pivotal Tracker</a:t>
             </a:r>
             <a:endParaRPr lang="en-CA" u="sng" dirty="0"/>
           </a:p>
@@ -4383,42 +4493,45 @@
           <a:bodyPr/>
           <a:lstStyle/>
           <a:p>
-            <a:r>
-              <a:rPr lang="en-CA" dirty="0" err="1" smtClean="0"/>
-              <a:t>Povital</a:t>
-            </a:r>
-            <a:r>
-              <a:rPr lang="en-CA" dirty="0" smtClean="0"/>
-              <a:t> Tracker</a:t>
-            </a:r>
-            <a:endParaRPr lang="en-CA" dirty="0" smtClean="0"/>
-          </a:p>
-          <a:p>
-            <a:r>
-              <a:rPr lang="en-CA" dirty="0" err="1" smtClean="0"/>
-              <a:t>Git</a:t>
-            </a:r>
-            <a:r>
-              <a:rPr lang="en-CA" dirty="0" smtClean="0"/>
-              <a:t> Hub Code Repository </a:t>
-            </a:r>
-          </a:p>
-          <a:p>
-            <a:r>
-              <a:rPr lang="en-CA" dirty="0" smtClean="0"/>
-              <a:t>Gameplay Balancing</a:t>
-            </a:r>
-            <a:endParaRPr lang="en-US" dirty="0" smtClean="0"/>
-          </a:p>
-          <a:p>
+            <a:pPr algn="ctr"/>
+            <a:r>
+              <a:rPr lang="en-US" dirty="0">
+                <a:hlinkClick r:id="rId2"/>
+              </a:rPr>
+              <a:t>https://www.pivotaltracker.com/s/projects/908374</a:t>
+            </a:r>
             <a:endParaRPr lang="en-CA" dirty="0"/>
           </a:p>
         </p:txBody>
       </p:sp>
+      <p:pic>
+        <p:nvPicPr>
+          <p:cNvPr id="5" name="Picture 4"/>
+          <p:cNvPicPr>
+            <a:picLocks noChangeAspect="1"/>
+          </p:cNvPicPr>
+          <p:nvPr/>
+        </p:nvPicPr>
+        <p:blipFill>
+          <a:blip r:embed="rId3"/>
+          <a:stretch>
+            <a:fillRect/>
+          </a:stretch>
+        </p:blipFill>
+        <p:spPr>
+          <a:xfrm>
+            <a:off x="9128" y="2000852"/>
+            <a:ext cx="9144000" cy="4868955"/>
+          </a:xfrm>
+          <a:prstGeom prst="rect">
+            <a:avLst/>
+          </a:prstGeom>
+        </p:spPr>
+      </p:pic>
     </p:spTree>
     <p:extLst>
       <p:ext uri="{BB962C8B-B14F-4D97-AF65-F5344CB8AC3E}">
-        <p14:creationId xmlns:p14="http://schemas.microsoft.com/office/powerpoint/2010/main" val="4130062358"/>
+        <p14:creationId xmlns:p14="http://schemas.microsoft.com/office/powerpoint/2010/main" val="1553196343"/>
       </p:ext>
     </p:extLst>
   </p:cSld>
@@ -4469,8 +4582,12 @@
           <a:p>
             <a:pPr algn="ctr"/>
             <a:r>
+              <a:rPr lang="en-CA" u="sng" dirty="0"/>
+              <a:t>Changes and Project </a:t>
+            </a:r>
+            <a:r>
               <a:rPr lang="en-CA" u="sng" dirty="0" smtClean="0"/>
-              <a:t>Pivotal Tracker</a:t>
+              <a:t>Issues</a:t>
             </a:r>
             <a:endParaRPr lang="en-CA" u="sng" dirty="0"/>
           </a:p>
@@ -4491,45 +4608,41 @@
           <a:bodyPr/>
           <a:lstStyle/>
           <a:p>
-            <a:pPr algn="ctr"/>
-            <a:r>
-              <a:rPr lang="en-US" dirty="0">
-                <a:hlinkClick r:id="rId2"/>
-              </a:rPr>
-              <a:t>https://www.pivotaltracker.com/s/projects/908374</a:t>
-            </a:r>
+            <a:r>
+              <a:rPr lang="en-CA" dirty="0" err="1" smtClean="0"/>
+              <a:t>Povital</a:t>
+            </a:r>
+            <a:r>
+              <a:rPr lang="en-CA" dirty="0" smtClean="0"/>
+              <a:t> Tracker</a:t>
+            </a:r>
+          </a:p>
+          <a:p>
+            <a:r>
+              <a:rPr lang="en-CA" dirty="0" err="1" smtClean="0"/>
+              <a:t>Git</a:t>
+            </a:r>
+            <a:r>
+              <a:rPr lang="en-CA" dirty="0" smtClean="0"/>
+              <a:t> Hub Code Repository </a:t>
+            </a:r>
+          </a:p>
+          <a:p>
+            <a:r>
+              <a:rPr lang="en-CA" dirty="0" smtClean="0"/>
+              <a:t>Gameplay Balancing</a:t>
+            </a:r>
+            <a:endParaRPr lang="en-US" dirty="0" smtClean="0"/>
+          </a:p>
+          <a:p>
             <a:endParaRPr lang="en-CA" dirty="0"/>
           </a:p>
         </p:txBody>
       </p:sp>
-      <p:pic>
-        <p:nvPicPr>
-          <p:cNvPr id="5" name="Picture 4"/>
-          <p:cNvPicPr>
-            <a:picLocks noChangeAspect="1"/>
-          </p:cNvPicPr>
-          <p:nvPr/>
-        </p:nvPicPr>
-        <p:blipFill>
-          <a:blip r:embed="rId3"/>
-          <a:stretch>
-            <a:fillRect/>
-          </a:stretch>
-        </p:blipFill>
-        <p:spPr>
-          <a:xfrm>
-            <a:off x="9128" y="2000852"/>
-            <a:ext cx="9144000" cy="4868955"/>
-          </a:xfrm>
-          <a:prstGeom prst="rect">
-            <a:avLst/>
-          </a:prstGeom>
-        </p:spPr>
-      </p:pic>
     </p:spTree>
     <p:extLst>
       <p:ext uri="{BB962C8B-B14F-4D97-AF65-F5344CB8AC3E}">
-        <p14:creationId xmlns:p14="http://schemas.microsoft.com/office/powerpoint/2010/main" val="1553196343"/>
+        <p14:creationId xmlns:p14="http://schemas.microsoft.com/office/powerpoint/2010/main" val="4130062358"/>
       </p:ext>
     </p:extLst>
   </p:cSld>

--- a/Documentation/Flux of Souls final.pptx
+++ b/Documentation/Flux of Souls final.pptx
@@ -4257,11 +4257,7 @@
           <a:p>
             <a:r>
               <a:rPr lang="en-CA" dirty="0" smtClean="0"/>
-              <a:t>UML </a:t>
-            </a:r>
-            <a:r>
-              <a:rPr lang="en-CA" dirty="0" smtClean="0"/>
-              <a:t>Diagrams</a:t>
+              <a:t>UML Diagrams</a:t>
             </a:r>
           </a:p>
           <a:p>
@@ -4273,7 +4269,6 @@
               <a:rPr lang="en-CA" dirty="0" smtClean="0"/>
               <a:t>Demonstration</a:t>
             </a:r>
-            <a:endParaRPr lang="en-CA" dirty="0" smtClean="0"/>
           </a:p>
           <a:p>
             <a:r>
@@ -4286,7 +4281,6 @@
               <a:rPr lang="en-CA" dirty="0" smtClean="0"/>
               <a:t>Q/A</a:t>
             </a:r>
-            <a:endParaRPr lang="en-CA" dirty="0" smtClean="0"/>
           </a:p>
           <a:p>
             <a:endParaRPr lang="en-CA" dirty="0"/>
@@ -4784,7 +4778,11 @@
             <a:pPr algn="ctr"/>
             <a:r>
               <a:rPr lang="en-CA" dirty="0" smtClean="0"/>
-              <a:t>Class Diagram</a:t>
+              <a:t>Domain Class </a:t>
+            </a:r>
+            <a:r>
+              <a:rPr lang="en-CA" dirty="0" smtClean="0"/>
+              <a:t>Diagram</a:t>
             </a:r>
             <a:endParaRPr lang="en-CA" dirty="0"/>
           </a:p>
@@ -4792,7 +4790,7 @@
       </p:sp>
       <p:pic>
         <p:nvPicPr>
-          <p:cNvPr id="4" name="Content Placeholder 3"/>
+          <p:cNvPr id="5" name="Content Placeholder 4"/>
           <p:cNvPicPr>
             <a:picLocks noGrp="1" noChangeAspect="1"/>
           </p:cNvPicPr>
@@ -4814,8 +4812,8 @@
         </p:blipFill>
         <p:spPr>
           <a:xfrm>
-            <a:off x="0" y="1412776"/>
-            <a:ext cx="9177677" cy="5445224"/>
+            <a:off x="1043608" y="1417638"/>
+            <a:ext cx="7272808" cy="5330073"/>
           </a:xfrm>
         </p:spPr>
       </p:pic>

--- a/Documentation/Flux of Souls final.pptx
+++ b/Documentation/Flux of Souls final.pptx
@@ -15,8 +15,8 @@
     <p:sldId id="267" r:id="rId9"/>
     <p:sldId id="268" r:id="rId10"/>
     <p:sldId id="274" r:id="rId11"/>
-    <p:sldId id="272" r:id="rId12"/>
-    <p:sldId id="271" r:id="rId13"/>
+    <p:sldId id="271" r:id="rId12"/>
+    <p:sldId id="272" r:id="rId13"/>
     <p:sldId id="263" r:id="rId14"/>
     <p:sldId id="273" r:id="rId15"/>
   </p:sldIdLst>
@@ -3727,14 +3727,38 @@
           <a:p>
             <a:pPr algn="ctr"/>
             <a:r>
-              <a:rPr lang="en-CA" u="sng" dirty="0"/>
-              <a:t>Game </a:t>
-            </a:r>
-            <a:r>
               <a:rPr lang="en-CA" u="sng" dirty="0" smtClean="0"/>
-              <a:t>Demonstration</a:t>
+              <a:t>UML &amp; Code</a:t>
             </a:r>
             <a:endParaRPr lang="en-CA" u="sng" dirty="0"/>
+          </a:p>
+        </p:txBody>
+      </p:sp>
+      <p:sp>
+        <p:nvSpPr>
+          <p:cNvPr id="3" name="Content Placeholder 2"/>
+          <p:cNvSpPr>
+            <a:spLocks noGrp="1"/>
+          </p:cNvSpPr>
+          <p:nvPr>
+            <p:ph sz="quarter" idx="13"/>
+          </p:nvPr>
+        </p:nvSpPr>
+        <p:spPr/>
+        <p:txBody>
+          <a:bodyPr/>
+          <a:lstStyle/>
+          <a:p>
+            <a:pPr algn="ctr"/>
+            <a:endParaRPr lang="en-CA" dirty="0" smtClean="0"/>
+          </a:p>
+          <a:p>
+            <a:pPr algn="ctr"/>
+            <a:endParaRPr lang="en-CA" dirty="0"/>
+          </a:p>
+          <a:p>
+            <a:pPr algn="ctr"/>
+            <a:endParaRPr lang="en-CA" dirty="0" smtClean="0"/>
           </a:p>
         </p:txBody>
       </p:sp>
@@ -3747,15 +3771,21 @@
           <p:nvPr/>
         </p:nvPicPr>
         <p:blipFill>
-          <a:blip r:embed="rId2"/>
+          <a:blip r:embed="rId2">
+            <a:extLst>
+              <a:ext uri="{28A0092B-C50C-407E-A947-70E740481C1C}">
+                <a14:useLocalDpi xmlns:a14="http://schemas.microsoft.com/office/drawing/2010/main" val="0"/>
+              </a:ext>
+            </a:extLst>
+          </a:blip>
           <a:stretch>
             <a:fillRect/>
           </a:stretch>
         </p:blipFill>
         <p:spPr>
           <a:xfrm>
-            <a:off x="899592" y="1916832"/>
-            <a:ext cx="7534275" cy="4133850"/>
+            <a:off x="0" y="1792215"/>
+            <a:ext cx="9144000" cy="3273569"/>
           </a:xfrm>
           <a:prstGeom prst="rect">
             <a:avLst/>
@@ -3765,7 +3795,7 @@
     </p:spTree>
     <p:extLst>
       <p:ext uri="{BB962C8B-B14F-4D97-AF65-F5344CB8AC3E}">
-        <p14:creationId xmlns:p14="http://schemas.microsoft.com/office/powerpoint/2010/main" val="2624592667"/>
+        <p14:creationId xmlns:p14="http://schemas.microsoft.com/office/powerpoint/2010/main" val="1573843664"/>
       </p:ext>
     </p:extLst>
   </p:cSld>
@@ -3817,56 +3847,44 @@
             <a:pPr algn="ctr"/>
             <a:r>
               <a:rPr lang="en-CA" u="sng" dirty="0"/>
-              <a:t>Presentation of </a:t>
+              <a:t>Game </a:t>
             </a:r>
             <a:r>
               <a:rPr lang="en-CA" u="sng" dirty="0" smtClean="0"/>
-              <a:t>Solution</a:t>
+              <a:t>Demonstration</a:t>
             </a:r>
             <a:endParaRPr lang="en-CA" u="sng" dirty="0"/>
           </a:p>
         </p:txBody>
       </p:sp>
-      <p:sp>
-        <p:nvSpPr>
-          <p:cNvPr id="3" name="Content Placeholder 2"/>
-          <p:cNvSpPr>
-            <a:spLocks noGrp="1"/>
-          </p:cNvSpPr>
-          <p:nvPr>
-            <p:ph sz="quarter" idx="13"/>
-          </p:nvPr>
-        </p:nvSpPr>
-        <p:spPr/>
-        <p:txBody>
-          <a:bodyPr/>
-          <a:lstStyle/>
-          <a:p>
-            <a:pPr algn="ctr"/>
-            <a:endParaRPr lang="en-CA" dirty="0" smtClean="0"/>
-          </a:p>
-          <a:p>
-            <a:pPr algn="ctr"/>
-            <a:endParaRPr lang="en-CA" dirty="0"/>
-          </a:p>
-          <a:p>
-            <a:pPr algn="ctr"/>
-            <a:endParaRPr lang="en-CA" dirty="0" smtClean="0"/>
-          </a:p>
-          <a:p>
-            <a:pPr algn="ctr"/>
-            <a:r>
-              <a:rPr lang="en-CA" dirty="0" smtClean="0"/>
-              <a:t>We will now move on to the XNA Solution portion of the Presentation</a:t>
-            </a:r>
-            <a:endParaRPr lang="en-CA" dirty="0"/>
-          </a:p>
-        </p:txBody>
-      </p:sp>
+      <p:pic>
+        <p:nvPicPr>
+          <p:cNvPr id="4" name="Picture 3"/>
+          <p:cNvPicPr>
+            <a:picLocks noChangeAspect="1"/>
+          </p:cNvPicPr>
+          <p:nvPr/>
+        </p:nvPicPr>
+        <p:blipFill>
+          <a:blip r:embed="rId2"/>
+          <a:stretch>
+            <a:fillRect/>
+          </a:stretch>
+        </p:blipFill>
+        <p:spPr>
+          <a:xfrm>
+            <a:off x="899592" y="1916832"/>
+            <a:ext cx="7534275" cy="4133850"/>
+          </a:xfrm>
+          <a:prstGeom prst="rect">
+            <a:avLst/>
+          </a:prstGeom>
+        </p:spPr>
+      </p:pic>
     </p:spTree>
     <p:extLst>
       <p:ext uri="{BB962C8B-B14F-4D97-AF65-F5344CB8AC3E}">
-        <p14:creationId xmlns:p14="http://schemas.microsoft.com/office/powerpoint/2010/main" val="1573843664"/>
+        <p14:creationId xmlns:p14="http://schemas.microsoft.com/office/powerpoint/2010/main" val="2624592667"/>
       </p:ext>
     </p:extLst>
   </p:cSld>
@@ -4273,14 +4291,9 @@
           <a:p>
             <a:r>
               <a:rPr lang="en-CA" dirty="0" smtClean="0"/>
-              <a:t>Presentation of Solution</a:t>
-            </a:r>
-          </a:p>
-          <a:p>
-            <a:r>
-              <a:rPr lang="en-CA" dirty="0" smtClean="0"/>
               <a:t>Q/A</a:t>
             </a:r>
+            <a:endParaRPr lang="en-CA" dirty="0" smtClean="0"/>
           </a:p>
           <a:p>
             <a:endParaRPr lang="en-CA" dirty="0"/>
@@ -4778,11 +4791,7 @@
             <a:pPr algn="ctr"/>
             <a:r>
               <a:rPr lang="en-CA" dirty="0" smtClean="0"/>
-              <a:t>Domain Class </a:t>
-            </a:r>
-            <a:r>
-              <a:rPr lang="en-CA" dirty="0" smtClean="0"/>
-              <a:t>Diagram</a:t>
+              <a:t>Domain Class Diagram</a:t>
             </a:r>
             <a:endParaRPr lang="en-CA" dirty="0"/>
           </a:p>
